--- a/presentations/Session_7_SC_Discovery_LB.pptx
+++ b/presentations/Session_7_SC_Discovery_LB.pptx
@@ -231,7 +231,7 @@
           <a:p>
             <a:fld id="{372E5B6B-8713-8747-AE5B-F1241B2BF5F0}" type="datetimeFigureOut">
               <a:rPr lang="en-US" smtClean="0"/>
-              <a:t>11/1/17</a:t>
+              <a:t>4/24/18</a:t>
             </a:fld>
             <a:endParaRPr lang="en-US"/>
           </a:p>
@@ -397,7 +397,7 @@
           <a:p>
             <a:fld id="{7E7B7340-DDD5-1B49-81AA-25BC4050C073}" type="datetimeFigureOut">
               <a:rPr lang="en-US" smtClean="0"/>
-              <a:t>11/1/17</a:t>
+              <a:t>4/24/18</a:t>
             </a:fld>
             <a:endParaRPr lang="en-US"/>
           </a:p>
@@ -8984,7 +8984,7 @@
 </file>
 
 <file path=ppt/slides/slide10.xml><?xml version="1.0" encoding="utf-8"?>
-<p:sld xmlns:a="http://schemas.openxmlformats.org/drawingml/2006/main" xmlns:r="http://schemas.openxmlformats.org/officeDocument/2006/relationships" xmlns:p="http://schemas.openxmlformats.org/presentationml/2006/main">
+<p:sld xmlns:a="http://schemas.openxmlformats.org/drawingml/2006/main" xmlns:r="http://schemas.openxmlformats.org/officeDocument/2006/relationships" xmlns:p="http://schemas.openxmlformats.org/presentationml/2006/main" show="0">
   <p:cSld>
     <p:spTree>
       <p:nvGrpSpPr>
@@ -9563,6 +9563,14 @@
   <p:clrMapOvr>
     <a:masterClrMapping/>
   </p:clrMapOvr>
+  <mc:AlternateContent xmlns:mc="http://schemas.openxmlformats.org/markup-compatibility/2006">
+    <mc:Choice xmlns:p14="http://schemas.microsoft.com/office/powerpoint/2010/main" Requires="p14">
+      <p:transition spd="slow" p14:dur="2000"/>
+    </mc:Choice>
+    <mc:Fallback>
+      <p:transition xmlns:p14="http://schemas.microsoft.com/office/powerpoint/2010/main" spd="slow"/>
+    </mc:Fallback>
+  </mc:AlternateContent>
   <p:timing>
     <p:tnLst>
       <p:par>
@@ -9675,7 +9683,7 @@
 </file>
 
 <file path=ppt/slides/slide11.xml><?xml version="1.0" encoding="utf-8"?>
-<p:sld xmlns:a="http://schemas.openxmlformats.org/drawingml/2006/main" xmlns:r="http://schemas.openxmlformats.org/officeDocument/2006/relationships" xmlns:p="http://schemas.openxmlformats.org/presentationml/2006/main">
+<p:sld xmlns:a="http://schemas.openxmlformats.org/drawingml/2006/main" xmlns:r="http://schemas.openxmlformats.org/officeDocument/2006/relationships" xmlns:p="http://schemas.openxmlformats.org/presentationml/2006/main" show="0">
   <p:cSld>
     <p:spTree>
       <p:nvGrpSpPr>
@@ -10267,11 +10275,11 @@
   <p:clrMapOvr>
     <a:masterClrMapping/>
   </p:clrMapOvr>
-  <mc:AlternateContent xmlns:mc="http://schemas.openxmlformats.org/markup-compatibility/2006" xmlns:p14="http://schemas.microsoft.com/office/powerpoint/2010/main">
-    <mc:Choice Requires="p14">
+  <mc:AlternateContent xmlns:mc="http://schemas.openxmlformats.org/markup-compatibility/2006">
+    <mc:Choice xmlns:p14="http://schemas.microsoft.com/office/powerpoint/2010/main" Requires="p14">
       <p:transition spd="slow" p14:dur="2000"/>
     </mc:Choice>
-    <mc:Fallback xmlns="">
+    <mc:Fallback>
       <p:transition xmlns:p14="http://schemas.microsoft.com/office/powerpoint/2010/main" spd="slow"/>
     </mc:Fallback>
   </mc:AlternateContent>
@@ -11080,8 +11088,8 @@
         </p:nvSpPr>
         <p:spPr>
           <a:xfrm>
-            <a:off x="457200" y="1047114"/>
-            <a:ext cx="8097520" cy="3273007"/>
+            <a:off x="101600" y="1047114"/>
+            <a:ext cx="8768080" cy="3273007"/>
           </a:xfrm>
         </p:spPr>
         <p:txBody>
@@ -11113,7 +11121,15 @@
             <a:pPr lvl="0" fontAlgn="base"/>
             <a:r>
               <a:rPr lang="en-US" sz="1800" b="1" dirty="0" smtClean="0"/>
-              <a:t>Registry server collects heartbeats, maintains registry of available services/instances, exchanges registries with local peers + other “zones”</a:t>
+              <a:t>Registry server collects heartbeats, maintains registry of available services/instances, </a:t>
+            </a:r>
+            <a:r>
+              <a:rPr lang="en-US" sz="1800" b="1" dirty="0" smtClean="0"/>
+              <a:t>synchs registrations with </a:t>
+            </a:r>
+            <a:r>
+              <a:rPr lang="en-US" sz="1800" b="1" dirty="0" smtClean="0"/>
+              <a:t>local peers + other “zones”</a:t>
             </a:r>
           </a:p>
           <a:p>
@@ -11138,15 +11154,11 @@
             <a:pPr lvl="1" fontAlgn="base"/>
             <a:r>
               <a:rPr lang="en-US" sz="1400" b="1" dirty="0" smtClean="0"/>
-              <a:t>Health indicator, URLs (health, homepage, </a:t>
-            </a:r>
-            <a:r>
-              <a:rPr lang="en-US" sz="1400" b="1" dirty="0" err="1" smtClean="0"/>
-              <a:t>etc</a:t>
+              <a:t>Health indicator, </a:t>
             </a:r>
             <a:r>
               <a:rPr lang="en-US" sz="1400" b="1" dirty="0" smtClean="0"/>
-              <a:t>)</a:t>
+              <a:t>URLs </a:t>
             </a:r>
             <a:br>
               <a:rPr lang="en-US" sz="1400" b="1" dirty="0" smtClean="0"/>
@@ -11156,8 +11168,12 @@
           <a:p>
             <a:pPr lvl="0" fontAlgn="base"/>
             <a:r>
+              <a:rPr lang="en-US" sz="1800" b="1" dirty="0" smtClean="0"/>
+              <a:t>Easily embeddable in </a:t>
+            </a:r>
+            <a:r>
               <a:rPr lang="en-US" sz="1800" b="1" dirty="0"/>
-              <a:t>Embeddable easily in a Spring Boot application using @</a:t>
+              <a:t>a Spring Boot application using @</a:t>
             </a:r>
             <a:r>
               <a:rPr lang="en-US" sz="1800" b="1" dirty="0" err="1" smtClean="0"/>
@@ -14142,12 +14158,12 @@
               <a:t>Cloud Connectors for auto</a:t>
             </a:r>
             <a:r>
-              <a:rPr lang="en-US" smtClean="0">
+              <a:rPr lang="en-US" dirty="0" smtClean="0">
                 <a:solidFill>
                   <a:srgbClr val="FFFFFF"/>
                 </a:solidFill>
               </a:rPr>
-              <a:t>-reconfiguration</a:t>
+              <a:t>-configuration</a:t>
             </a:r>
             <a:endParaRPr lang="en-US" dirty="0" smtClean="0">
               <a:solidFill>
@@ -14380,7 +14396,7 @@
 </file>
 
 <file path=ppt/slides/slide9.xml><?xml version="1.0" encoding="utf-8"?>
-<p:sld xmlns:a="http://schemas.openxmlformats.org/drawingml/2006/main" xmlns:r="http://schemas.openxmlformats.org/officeDocument/2006/relationships" xmlns:p="http://schemas.openxmlformats.org/presentationml/2006/main">
+<p:sld xmlns:a="http://schemas.openxmlformats.org/drawingml/2006/main" xmlns:r="http://schemas.openxmlformats.org/officeDocument/2006/relationships" xmlns:p="http://schemas.openxmlformats.org/presentationml/2006/main" show="0">
   <p:cSld>
     <p:spTree>
       <p:nvGrpSpPr>
@@ -14582,6 +14598,14 @@
   <p:clrMapOvr>
     <a:masterClrMapping/>
   </p:clrMapOvr>
+  <mc:AlternateContent xmlns:mc="http://schemas.openxmlformats.org/markup-compatibility/2006">
+    <mc:Choice xmlns:p14="http://schemas.microsoft.com/office/powerpoint/2010/main" Requires="p14">
+      <p:transition spd="slow" p14:dur="2000"/>
+    </mc:Choice>
+    <mc:Fallback>
+      <p:transition xmlns:p14="http://schemas.microsoft.com/office/powerpoint/2010/main" spd="slow"/>
+    </mc:Fallback>
+  </mc:AlternateContent>
   <p:timing>
     <p:tnLst>
       <p:par>
